--- a/week01/slides.pptx
+++ b/week01/slides.pptx
@@ -227,7 +227,7 @@
           <a:p>
             <a:fld id="{2A630CD7-7FE1-B54D-B02D-38F5B6EAB555}" type="datetimeFigureOut">
               <a:rPr lang="en-BE" smtClean="0"/>
-              <a:t>07/02/2025</a:t>
+              <a:t>05/10/2025</a:t>
             </a:fld>
             <a:endParaRPr lang="en-BE"/>
           </a:p>
@@ -404,7 +404,7 @@
           <a:p>
             <a:fld id="{4C3D1D5E-8C93-9246-8E36-76148285B044}" type="datetimeFigureOut">
               <a:rPr lang="en-BE" smtClean="0"/>
-              <a:t>07/02/2025</a:t>
+              <a:t>05/10/2025</a:t>
             </a:fld>
             <a:endParaRPr lang="en-BE"/>
           </a:p>
@@ -3626,7 +3626,7 @@
           <a:p>
             <a:fld id="{A496BEFF-7D57-7742-81E9-2EA9098B873D}" type="datetimeFigureOut">
               <a:rPr lang="en-BE" smtClean="0"/>
-              <a:t>07/02/2025</a:t>
+              <a:t>05/10/2025</a:t>
             </a:fld>
             <a:endParaRPr lang="en-BE"/>
           </a:p>
@@ -3826,7 +3826,7 @@
           <a:p>
             <a:fld id="{A496BEFF-7D57-7742-81E9-2EA9098B873D}" type="datetimeFigureOut">
               <a:rPr lang="en-BE" smtClean="0"/>
-              <a:t>07/02/2025</a:t>
+              <a:t>05/10/2025</a:t>
             </a:fld>
             <a:endParaRPr lang="en-BE"/>
           </a:p>
@@ -4036,7 +4036,7 @@
           <a:p>
             <a:fld id="{A496BEFF-7D57-7742-81E9-2EA9098B873D}" type="datetimeFigureOut">
               <a:rPr lang="en-BE" smtClean="0"/>
-              <a:t>07/02/2025</a:t>
+              <a:t>05/10/2025</a:t>
             </a:fld>
             <a:endParaRPr lang="en-BE"/>
           </a:p>
@@ -4236,7 +4236,7 @@
           <a:p>
             <a:fld id="{A496BEFF-7D57-7742-81E9-2EA9098B873D}" type="datetimeFigureOut">
               <a:rPr lang="en-BE" smtClean="0"/>
-              <a:t>07/02/2025</a:t>
+              <a:t>05/10/2025</a:t>
             </a:fld>
             <a:endParaRPr lang="en-BE"/>
           </a:p>
@@ -4512,7 +4512,7 @@
           <a:p>
             <a:fld id="{A496BEFF-7D57-7742-81E9-2EA9098B873D}" type="datetimeFigureOut">
               <a:rPr lang="en-BE" smtClean="0"/>
-              <a:t>07/02/2025</a:t>
+              <a:t>05/10/2025</a:t>
             </a:fld>
             <a:endParaRPr lang="en-BE"/>
           </a:p>
@@ -4780,7 +4780,7 @@
           <a:p>
             <a:fld id="{A496BEFF-7D57-7742-81E9-2EA9098B873D}" type="datetimeFigureOut">
               <a:rPr lang="en-BE" smtClean="0"/>
-              <a:t>07/02/2025</a:t>
+              <a:t>05/10/2025</a:t>
             </a:fld>
             <a:endParaRPr lang="en-BE"/>
           </a:p>
@@ -5195,7 +5195,7 @@
           <a:p>
             <a:fld id="{A496BEFF-7D57-7742-81E9-2EA9098B873D}" type="datetimeFigureOut">
               <a:rPr lang="en-BE" smtClean="0"/>
-              <a:t>07/02/2025</a:t>
+              <a:t>05/10/2025</a:t>
             </a:fld>
             <a:endParaRPr lang="en-BE"/>
           </a:p>
@@ -5337,7 +5337,7 @@
           <a:p>
             <a:fld id="{A496BEFF-7D57-7742-81E9-2EA9098B873D}" type="datetimeFigureOut">
               <a:rPr lang="en-BE" smtClean="0"/>
-              <a:t>07/02/2025</a:t>
+              <a:t>05/10/2025</a:t>
             </a:fld>
             <a:endParaRPr lang="en-BE"/>
           </a:p>
@@ -5450,7 +5450,7 @@
           <a:p>
             <a:fld id="{A496BEFF-7D57-7742-81E9-2EA9098B873D}" type="datetimeFigureOut">
               <a:rPr lang="en-BE" smtClean="0"/>
-              <a:t>07/02/2025</a:t>
+              <a:t>05/10/2025</a:t>
             </a:fld>
             <a:endParaRPr lang="en-BE"/>
           </a:p>
@@ -5763,7 +5763,7 @@
           <a:p>
             <a:fld id="{A496BEFF-7D57-7742-81E9-2EA9098B873D}" type="datetimeFigureOut">
               <a:rPr lang="en-BE" smtClean="0"/>
-              <a:t>07/02/2025</a:t>
+              <a:t>05/10/2025</a:t>
             </a:fld>
             <a:endParaRPr lang="en-BE"/>
           </a:p>
@@ -6052,7 +6052,7 @@
           <a:p>
             <a:fld id="{A496BEFF-7D57-7742-81E9-2EA9098B873D}" type="datetimeFigureOut">
               <a:rPr lang="en-BE" smtClean="0"/>
-              <a:t>07/02/2025</a:t>
+              <a:t>05/10/2025</a:t>
             </a:fld>
             <a:endParaRPr lang="en-BE"/>
           </a:p>
@@ -6295,7 +6295,7 @@
           <a:p>
             <a:fld id="{A496BEFF-7D57-7742-81E9-2EA9098B873D}" type="datetimeFigureOut">
               <a:rPr lang="en-BE" smtClean="0"/>
-              <a:t>07/02/2025</a:t>
+              <a:t>05/10/2025</a:t>
             </a:fld>
             <a:endParaRPr lang="en-BE"/>
           </a:p>
@@ -11154,7 +11154,7 @@
                   </a:schemeClr>
                 </a:solidFill>
               </a:rPr>
-              <a:t>Step 2: Handle user moves</a:t>
+              <a:t>Step 2: Validate user input</a:t>
             </a:r>
           </a:p>
           <a:p>
@@ -11166,7 +11166,7 @@
                   </a:schemeClr>
                 </a:solidFill>
               </a:rPr>
-              <a:t>Step 3: Check for win condition</a:t>
+              <a:t>Step 3: Handle user moves</a:t>
             </a:r>
           </a:p>
         </p:txBody>
